--- a/你恩典不離開(崇拜版).pptx
+++ b/你恩典不離開(崇拜版).pptx
@@ -8,9 +8,8 @@
     <p:sldId id="257" r:id="rId2"/>
     <p:sldId id="258" r:id="rId3"/>
     <p:sldId id="259" r:id="rId4"/>
-    <p:sldId id="260" r:id="rId5"/>
-    <p:sldId id="261" r:id="rId6"/>
-    <p:sldId id="262" r:id="rId7"/>
+    <p:sldId id="261" r:id="rId5"/>
+    <p:sldId id="262" r:id="rId6"/>
   </p:sldIdLst>
   <p:sldSz cx="12192000" cy="6858000"/>
   <p:notesSz cx="6858000" cy="9144000"/>
@@ -109,6 +108,11 @@
       </a:defRPr>
     </a:lvl9pPr>
   </p:defaultTextStyle>
+  <p:extLst>
+    <p:ext uri="{EFAFB233-063F-42B5-8137-9DF3F51BA10A}">
+      <p15:sldGuideLst xmlns:p15="http://schemas.microsoft.com/office/powerpoint/2012/main"/>
+    </p:ext>
+  </p:extLst>
 </p:presentation>
 </file>
 
@@ -293,7 +297,7 @@
           <a:p>
             <a:fld id="{E6A91E16-2256-4A38-AF4C-5F37729A42BE}" type="datetimeFigureOut">
               <a:rPr lang="vi-VN" smtClean="0"/>
-              <a:t>25/03/2022</a:t>
+              <a:t>29/09/2023</a:t>
             </a:fld>
             <a:endParaRPr lang="vi-VN"/>
           </a:p>
@@ -463,7 +467,7 @@
           <a:p>
             <a:fld id="{E6A91E16-2256-4A38-AF4C-5F37729A42BE}" type="datetimeFigureOut">
               <a:rPr lang="vi-VN" smtClean="0"/>
-              <a:t>25/03/2022</a:t>
+              <a:t>29/09/2023</a:t>
             </a:fld>
             <a:endParaRPr lang="vi-VN"/>
           </a:p>
@@ -643,7 +647,7 @@
           <a:p>
             <a:fld id="{E6A91E16-2256-4A38-AF4C-5F37729A42BE}" type="datetimeFigureOut">
               <a:rPr lang="vi-VN" smtClean="0"/>
-              <a:t>25/03/2022</a:t>
+              <a:t>29/09/2023</a:t>
             </a:fld>
             <a:endParaRPr lang="vi-VN"/>
           </a:p>
@@ -813,7 +817,7 @@
           <a:p>
             <a:fld id="{E6A91E16-2256-4A38-AF4C-5F37729A42BE}" type="datetimeFigureOut">
               <a:rPr lang="vi-VN" smtClean="0"/>
-              <a:t>25/03/2022</a:t>
+              <a:t>29/09/2023</a:t>
             </a:fld>
             <a:endParaRPr lang="vi-VN"/>
           </a:p>
@@ -1059,7 +1063,7 @@
           <a:p>
             <a:fld id="{E6A91E16-2256-4A38-AF4C-5F37729A42BE}" type="datetimeFigureOut">
               <a:rPr lang="vi-VN" smtClean="0"/>
-              <a:t>25/03/2022</a:t>
+              <a:t>29/09/2023</a:t>
             </a:fld>
             <a:endParaRPr lang="vi-VN"/>
           </a:p>
@@ -1347,7 +1351,7 @@
           <a:p>
             <a:fld id="{E6A91E16-2256-4A38-AF4C-5F37729A42BE}" type="datetimeFigureOut">
               <a:rPr lang="vi-VN" smtClean="0"/>
-              <a:t>25/03/2022</a:t>
+              <a:t>29/09/2023</a:t>
             </a:fld>
             <a:endParaRPr lang="vi-VN"/>
           </a:p>
@@ -1769,7 +1773,7 @@
           <a:p>
             <a:fld id="{E6A91E16-2256-4A38-AF4C-5F37729A42BE}" type="datetimeFigureOut">
               <a:rPr lang="vi-VN" smtClean="0"/>
-              <a:t>25/03/2022</a:t>
+              <a:t>29/09/2023</a:t>
             </a:fld>
             <a:endParaRPr lang="vi-VN"/>
           </a:p>
@@ -1887,7 +1891,7 @@
           <a:p>
             <a:fld id="{E6A91E16-2256-4A38-AF4C-5F37729A42BE}" type="datetimeFigureOut">
               <a:rPr lang="vi-VN" smtClean="0"/>
-              <a:t>25/03/2022</a:t>
+              <a:t>29/09/2023</a:t>
             </a:fld>
             <a:endParaRPr lang="vi-VN"/>
           </a:p>
@@ -1982,7 +1986,7 @@
           <a:p>
             <a:fld id="{E6A91E16-2256-4A38-AF4C-5F37729A42BE}" type="datetimeFigureOut">
               <a:rPr lang="vi-VN" smtClean="0"/>
-              <a:t>25/03/2022</a:t>
+              <a:t>29/09/2023</a:t>
             </a:fld>
             <a:endParaRPr lang="vi-VN"/>
           </a:p>
@@ -2259,7 +2263,7 @@
           <a:p>
             <a:fld id="{E6A91E16-2256-4A38-AF4C-5F37729A42BE}" type="datetimeFigureOut">
               <a:rPr lang="vi-VN" smtClean="0"/>
-              <a:t>25/03/2022</a:t>
+              <a:t>29/09/2023</a:t>
             </a:fld>
             <a:endParaRPr lang="vi-VN"/>
           </a:p>
@@ -2516,7 +2520,7 @@
           <a:p>
             <a:fld id="{E6A91E16-2256-4A38-AF4C-5F37729A42BE}" type="datetimeFigureOut">
               <a:rPr lang="vi-VN" smtClean="0"/>
-              <a:t>25/03/2022</a:t>
+              <a:t>29/09/2023</a:t>
             </a:fld>
             <a:endParaRPr lang="vi-VN"/>
           </a:p>
@@ -2734,7 +2738,7 @@
           <a:p>
             <a:fld id="{E6A91E16-2256-4A38-AF4C-5F37729A42BE}" type="datetimeFigureOut">
               <a:rPr lang="vi-VN" smtClean="0"/>
-              <a:t>25/03/2022</a:t>
+              <a:t>29/09/2023</a:t>
             </a:fld>
             <a:endParaRPr lang="vi-VN"/>
           </a:p>
@@ -3146,24 +3150,7 @@
                 <a:latin typeface="微軟正黑體" pitchFamily="34" charset="-120"/>
                 <a:ea typeface="微軟正黑體" pitchFamily="34" charset="-120"/>
               </a:rPr>
-              <a:t>祢</a:t>
-            </a:r>
-            <a:r>
-              <a:rPr lang="zh-TW" altLang="en-US" sz="7200" b="1" i="1" dirty="0">
-                <a:solidFill>
-                  <a:srgbClr val="660033"/>
-                </a:solidFill>
-                <a:effectLst>
-                  <a:outerShdw blurRad="38100" dist="38100" dir="2700000" algn="tl">
-                    <a:srgbClr val="000000">
-                      <a:alpha val="43137"/>
-                    </a:srgbClr>
-                  </a:outerShdw>
-                </a:effectLst>
-                <a:latin typeface="微軟正黑體" pitchFamily="34" charset="-120"/>
-                <a:ea typeface="微軟正黑體" pitchFamily="34" charset="-120"/>
-              </a:rPr>
-              <a:t>恩典不離開</a:t>
+              <a:t>祢恩典不離開</a:t>
             </a:r>
           </a:p>
         </p:txBody>
@@ -3231,47 +3218,7 @@
                 <a:latin typeface="微軟正黑體" pitchFamily="34" charset="-120"/>
                 <a:ea typeface="微軟正黑體" pitchFamily="34" charset="-120"/>
               </a:rPr>
-              <a:t>耶</a:t>
-            </a:r>
-            <a:r>
-              <a:rPr lang="zh-TW" altLang="en-US" sz="6400" b="1" dirty="0">
-                <a:solidFill>
-                  <a:srgbClr val="660033"/>
-                </a:solidFill>
-                <a:latin typeface="微軟正黑體" pitchFamily="34" charset="-120"/>
-                <a:ea typeface="微軟正黑體" pitchFamily="34" charset="-120"/>
-              </a:rPr>
-              <a:t>穌 </a:t>
-            </a:r>
-            <a:r>
-              <a:rPr lang="zh-TW" altLang="en-US" sz="6400" b="1" dirty="0">
-                <a:solidFill>
-                  <a:srgbClr val="660033"/>
-                </a:solidFill>
-                <a:latin typeface="微軟正黑體" pitchFamily="34" charset="-120"/>
-                <a:ea typeface="微軟正黑體" pitchFamily="34" charset="-120"/>
-              </a:rPr>
-              <a:t> 我</a:t>
-            </a:r>
-            <a:r>
-              <a:rPr lang="zh-TW" altLang="en-US" sz="6400" b="1" dirty="0">
-                <a:solidFill>
-                  <a:srgbClr val="660033"/>
-                </a:solidFill>
-                <a:latin typeface="微軟正黑體" pitchFamily="34" charset="-120"/>
-                <a:ea typeface="微軟正黑體" pitchFamily="34" charset="-120"/>
-              </a:rPr>
-              <a:t>讚美</a:t>
-            </a:r>
-            <a:r>
-              <a:rPr lang="zh-TW" altLang="en-US" sz="6400" b="1" dirty="0">
-                <a:solidFill>
-                  <a:srgbClr val="660033"/>
-                </a:solidFill>
-                <a:latin typeface="微軟正黑體" pitchFamily="34" charset="-120"/>
-                <a:ea typeface="微軟正黑體" pitchFamily="34" charset="-120"/>
-              </a:rPr>
-              <a:t>祢</a:t>
+              <a:t>耶穌  我讚美祢</a:t>
             </a:r>
             <a:endParaRPr lang="en-US" altLang="zh-TW" sz="6400" b="1" dirty="0">
               <a:solidFill>
@@ -3293,37 +3240,7 @@
                 <a:latin typeface="微軟正黑體" pitchFamily="34" charset="-120"/>
                 <a:ea typeface="微軟正黑體" pitchFamily="34" charset="-120"/>
               </a:rPr>
-              <a:t>祢</a:t>
-            </a:r>
-            <a:r>
-              <a:rPr lang="zh-TW" altLang="en-US" sz="6400" b="1" dirty="0">
-                <a:solidFill>
-                  <a:srgbClr val="660033"/>
-                </a:solidFill>
-                <a:latin typeface="微軟正黑體" pitchFamily="34" charset="-120"/>
-                <a:ea typeface="微軟正黑體" pitchFamily="34" charset="-120"/>
-              </a:rPr>
-              <a:t>拯救我 </a:t>
-            </a:r>
-            <a:r>
-              <a:rPr lang="zh-TW" altLang="en-US" sz="6400" b="1" dirty="0">
-                <a:solidFill>
-                  <a:srgbClr val="660033"/>
-                </a:solidFill>
-                <a:latin typeface="微軟正黑體" pitchFamily="34" charset="-120"/>
-                <a:ea typeface="微軟正黑體" pitchFamily="34" charset="-120"/>
-              </a:rPr>
-              <a:t> 脫</a:t>
-            </a:r>
-            <a:r>
-              <a:rPr lang="zh-TW" altLang="en-US" sz="6400" b="1" dirty="0">
-                <a:solidFill>
-                  <a:srgbClr val="660033"/>
-                </a:solidFill>
-                <a:latin typeface="微軟正黑體" pitchFamily="34" charset="-120"/>
-                <a:ea typeface="微軟正黑體" pitchFamily="34" charset="-120"/>
-              </a:rPr>
-              <a:t>離一切黑暗</a:t>
+              <a:t>祢拯救我  脫離一切黑暗</a:t>
             </a:r>
             <a:endParaRPr lang="en-US" altLang="zh-TW" sz="6400" b="1" dirty="0">
               <a:solidFill>
@@ -3486,37 +3403,7 @@
                 <a:latin typeface="微軟正黑體" pitchFamily="34" charset="-120"/>
                 <a:ea typeface="微軟正黑體" pitchFamily="34" charset="-120"/>
               </a:rPr>
-              <a:t>祢</a:t>
-            </a:r>
-            <a:r>
-              <a:rPr lang="zh-TW" altLang="en-US" sz="6400" b="1" dirty="0">
-                <a:solidFill>
-                  <a:srgbClr val="660033"/>
-                </a:solidFill>
-                <a:latin typeface="微軟正黑體" pitchFamily="34" charset="-120"/>
-                <a:ea typeface="微軟正黑體" pitchFamily="34" charset="-120"/>
-              </a:rPr>
-              <a:t>使我心中力量 </a:t>
-            </a:r>
-            <a:r>
-              <a:rPr lang="zh-TW" altLang="en-US" sz="6400" b="1" dirty="0">
-                <a:solidFill>
-                  <a:srgbClr val="660033"/>
-                </a:solidFill>
-                <a:latin typeface="微軟正黑體" pitchFamily="34" charset="-120"/>
-                <a:ea typeface="微軟正黑體" pitchFamily="34" charset="-120"/>
-              </a:rPr>
-              <a:t>  再</a:t>
-            </a:r>
-            <a:r>
-              <a:rPr lang="zh-TW" altLang="en-US" sz="6400" b="1" dirty="0">
-                <a:solidFill>
-                  <a:srgbClr val="660033"/>
-                </a:solidFill>
-                <a:latin typeface="微軟正黑體" pitchFamily="34" charset="-120"/>
-                <a:ea typeface="微軟正黑體" pitchFamily="34" charset="-120"/>
-              </a:rPr>
-              <a:t>次剛強起來</a:t>
+              <a:t>祢使我心中力量   再次剛強起來</a:t>
             </a:r>
             <a:endParaRPr lang="en-US" altLang="zh-TW" sz="6400" b="1" dirty="0">
               <a:solidFill>
@@ -3657,19 +3544,59 @@
                 <a:latin typeface="微軟正黑體" pitchFamily="34" charset="-120"/>
                 <a:ea typeface="微軟正黑體" pitchFamily="34" charset="-120"/>
               </a:rPr>
-              <a:t>耶穌 耶</a:t>
-            </a:r>
-            <a:r>
-              <a:rPr lang="zh-TW" altLang="en-US" sz="6400" b="1" dirty="0">
+              <a:t>耶穌 </a:t>
+            </a:r>
+            <a:r>
+              <a:rPr lang="zh-TW" altLang="en-US" sz="6400" b="1" dirty="0" smtClean="0">
                 <a:solidFill>
                   <a:srgbClr val="660033"/>
                 </a:solidFill>
                 <a:latin typeface="微軟正黑體" pitchFamily="34" charset="-120"/>
                 <a:ea typeface="微軟正黑體" pitchFamily="34" charset="-120"/>
               </a:rPr>
-              <a:t>穌</a:t>
-            </a:r>
-            <a:endParaRPr lang="en-US" altLang="zh-TW" sz="6400" b="1" dirty="0">
+              <a:t> 耶穌</a:t>
+            </a:r>
+            <a:r>
+              <a:rPr lang="en-US" altLang="zh-TW" sz="6400" b="1" dirty="0" smtClean="0">
+                <a:solidFill>
+                  <a:srgbClr val="660033"/>
+                </a:solidFill>
+                <a:latin typeface="微軟正黑體" pitchFamily="34" charset="-120"/>
+                <a:ea typeface="微軟正黑體" pitchFamily="34" charset="-120"/>
+              </a:rPr>
+              <a:t>  </a:t>
+            </a:r>
+            <a:r>
+              <a:rPr lang="zh-TW" altLang="en-US" sz="6400" b="1" dirty="0" smtClean="0">
+                <a:solidFill>
+                  <a:srgbClr val="660033"/>
+                </a:solidFill>
+                <a:latin typeface="微軟正黑體" pitchFamily="34" charset="-120"/>
+                <a:ea typeface="微軟正黑體" pitchFamily="34" charset="-120"/>
+              </a:rPr>
+              <a:t>耶</a:t>
+            </a:r>
+            <a:r>
+              <a:rPr lang="zh-TW" altLang="en-US" sz="6400" b="1" dirty="0">
+                <a:solidFill>
+                  <a:srgbClr val="660033"/>
+                </a:solidFill>
+                <a:latin typeface="微軟正黑體" pitchFamily="34" charset="-120"/>
+                <a:ea typeface="微軟正黑體" pitchFamily="34" charset="-120"/>
+              </a:rPr>
+              <a:t>穌 </a:t>
+            </a:r>
+            <a:r>
+              <a:rPr lang="zh-TW" altLang="en-US" sz="6400" b="1" dirty="0" smtClean="0">
+                <a:solidFill>
+                  <a:srgbClr val="660033"/>
+                </a:solidFill>
+                <a:latin typeface="微軟正黑體" pitchFamily="34" charset="-120"/>
+                <a:ea typeface="微軟正黑體" pitchFamily="34" charset="-120"/>
+              </a:rPr>
+              <a:t> 耶穌</a:t>
+            </a:r>
+            <a:endParaRPr lang="en-US" altLang="zh-TW" sz="6400" b="1" dirty="0" smtClean="0">
               <a:solidFill>
                 <a:srgbClr val="660033"/>
               </a:solidFill>
@@ -3682,14 +3609,14 @@
               <a:buNone/>
             </a:pPr>
             <a:r>
-              <a:rPr lang="zh-TW" altLang="en-US" sz="6400" b="1" dirty="0">
+              <a:rPr lang="zh-TW" altLang="en-US" sz="6400" b="1" dirty="0" smtClean="0">
                 <a:solidFill>
                   <a:srgbClr val="660033"/>
                 </a:solidFill>
                 <a:latin typeface="微軟正黑體" pitchFamily="34" charset="-120"/>
                 <a:ea typeface="微軟正黑體" pitchFamily="34" charset="-120"/>
               </a:rPr>
-              <a:t>耶</a:t>
+              <a:t>狂</a:t>
             </a:r>
             <a:r>
               <a:rPr lang="zh-TW" altLang="en-US" sz="6400" b="1" dirty="0">
@@ -3699,7 +3626,57 @@
                 <a:latin typeface="微軟正黑體" pitchFamily="34" charset="-120"/>
                 <a:ea typeface="微軟正黑體" pitchFamily="34" charset="-120"/>
               </a:rPr>
-              <a:t>穌 耶穌</a:t>
+              <a:t>風暴雨巨浪</a:t>
+            </a:r>
+            <a:r>
+              <a:rPr lang="zh-TW" altLang="en-US" sz="6400" b="1" dirty="0" smtClean="0">
+                <a:solidFill>
+                  <a:srgbClr val="660033"/>
+                </a:solidFill>
+                <a:latin typeface="微軟正黑體" pitchFamily="34" charset="-120"/>
+                <a:ea typeface="微軟正黑體" pitchFamily="34" charset="-120"/>
+              </a:rPr>
+              <a:t>中</a:t>
+            </a:r>
+            <a:r>
+              <a:rPr lang="en-US" altLang="zh-TW" sz="6400" b="1" dirty="0">
+                <a:solidFill>
+                  <a:srgbClr val="660033"/>
+                </a:solidFill>
+                <a:latin typeface="微軟正黑體" pitchFamily="34" charset="-120"/>
+                <a:ea typeface="微軟正黑體" pitchFamily="34" charset="-120"/>
+              </a:rPr>
+              <a:t> </a:t>
+            </a:r>
+            <a:r>
+              <a:rPr lang="en-US" altLang="zh-TW" sz="6400" b="1" dirty="0">
+                <a:solidFill>
+                  <a:srgbClr val="660033"/>
+                </a:solidFill>
+                <a:latin typeface="微軟正黑體" pitchFamily="34" charset="-120"/>
+                <a:ea typeface="微軟正黑體" pitchFamily="34" charset="-120"/>
+              </a:rPr>
+              <a:t> </a:t>
+            </a:r>
+            <a:r>
+              <a:rPr lang="zh-TW" altLang="en-US" sz="6400" b="1" dirty="0" smtClean="0">
+                <a:solidFill>
+                  <a:srgbClr val="660033"/>
+                </a:solidFill>
+                <a:latin typeface="微軟正黑體" pitchFamily="34" charset="-120"/>
+                <a:ea typeface="微軟正黑體" pitchFamily="34" charset="-120"/>
+              </a:rPr>
+              <a:t>祢</a:t>
+            </a:r>
+            <a:r>
+              <a:rPr lang="zh-TW" altLang="en-US" sz="6400" b="1" dirty="0">
+                <a:solidFill>
+                  <a:srgbClr val="660033"/>
+                </a:solidFill>
+                <a:latin typeface="微軟正黑體" pitchFamily="34" charset="-120"/>
+                <a:ea typeface="微軟正黑體" pitchFamily="34" charset="-120"/>
+              </a:rPr>
+              <a:t>的恩典不離開</a:t>
             </a:r>
             <a:endParaRPr lang="en-US" altLang="zh-TW" sz="6400" b="1" dirty="0">
               <a:solidFill>
@@ -3765,18 +3742,7 @@
                 <a:latin typeface="Microsoft JhengHei" panose="020B0604030504040204" pitchFamily="34" charset="-120"/>
                 <a:ea typeface="Microsoft JhengHei" panose="020B0604030504040204" pitchFamily="34" charset="-120"/>
               </a:rPr>
-              <a:t> </a:t>
-            </a:r>
-            <a:r>
-              <a:rPr lang="en-US" sz="4400" b="1" dirty="0">
-                <a:solidFill>
-                  <a:srgbClr val="660033"/>
-                </a:solidFill>
-                <a:effectLst/>
-                <a:latin typeface="Microsoft JhengHei" panose="020B0604030504040204" pitchFamily="34" charset="-120"/>
-                <a:ea typeface="Microsoft JhengHei" panose="020B0604030504040204" pitchFamily="34" charset="-120"/>
-              </a:rPr>
-              <a:t>)</a:t>
+              <a:t> )</a:t>
             </a:r>
             <a:endParaRPr lang="vi-VN" sz="4400" b="1" dirty="0">
               <a:solidFill>
@@ -3791,7 +3757,7 @@
     </p:spTree>
     <p:extLst>
       <p:ext uri="{BB962C8B-B14F-4D97-AF65-F5344CB8AC3E}">
-        <p14:creationId xmlns:p14="http://schemas.microsoft.com/office/powerpoint/2010/main" val="1632186257"/>
+        <p14:creationId xmlns:p14="http://schemas.microsoft.com/office/powerpoint/2010/main" val="2393986632"/>
       </p:ext>
     </p:extLst>
   </p:cSld>
@@ -3851,17 +3817,7 @@
                 <a:latin typeface="微軟正黑體" pitchFamily="34" charset="-120"/>
                 <a:ea typeface="微軟正黑體" pitchFamily="34" charset="-120"/>
               </a:rPr>
-              <a:t>狂風暴雨巨浪</a:t>
-            </a:r>
-            <a:r>
-              <a:rPr lang="zh-TW" altLang="en-US" sz="6400" b="1" dirty="0">
-                <a:solidFill>
-                  <a:srgbClr val="660033"/>
-                </a:solidFill>
-                <a:latin typeface="微軟正黑體" pitchFamily="34" charset="-120"/>
-                <a:ea typeface="微軟正黑體" pitchFamily="34" charset="-120"/>
-              </a:rPr>
-              <a:t>中</a:t>
+              <a:t>祢是我盼望</a:t>
             </a:r>
             <a:endParaRPr lang="en-US" altLang="zh-TW" sz="6400" b="1" dirty="0">
               <a:solidFill>
@@ -3883,27 +3839,7 @@
                 <a:latin typeface="微軟正黑體" pitchFamily="34" charset="-120"/>
                 <a:ea typeface="微軟正黑體" pitchFamily="34" charset="-120"/>
               </a:rPr>
-              <a:t>祢</a:t>
-            </a:r>
-            <a:r>
-              <a:rPr lang="zh-TW" altLang="en-US" sz="6400" b="1" dirty="0">
-                <a:solidFill>
-                  <a:srgbClr val="660033"/>
-                </a:solidFill>
-                <a:latin typeface="微軟正黑體" pitchFamily="34" charset="-120"/>
-                <a:ea typeface="微軟正黑體" pitchFamily="34" charset="-120"/>
-              </a:rPr>
-              <a:t>的恩典不離</a:t>
-            </a:r>
-            <a:r>
-              <a:rPr lang="zh-TW" altLang="en-US" sz="6400" b="1" dirty="0">
-                <a:solidFill>
-                  <a:srgbClr val="660033"/>
-                </a:solidFill>
-                <a:latin typeface="微軟正黑體" pitchFamily="34" charset="-120"/>
-                <a:ea typeface="微軟正黑體" pitchFamily="34" charset="-120"/>
-              </a:rPr>
-              <a:t>開</a:t>
+              <a:t>我唯一的最愛</a:t>
             </a:r>
             <a:endParaRPr lang="en-US" altLang="zh-TW" sz="6400" b="1" dirty="0">
               <a:solidFill>
@@ -3969,222 +3905,7 @@
                 <a:latin typeface="Microsoft JhengHei" panose="020B0604030504040204" pitchFamily="34" charset="-120"/>
                 <a:ea typeface="Microsoft JhengHei" panose="020B0604030504040204" pitchFamily="34" charset="-120"/>
               </a:rPr>
-              <a:t> </a:t>
-            </a:r>
-            <a:r>
-              <a:rPr lang="en-US" sz="4400" b="1" dirty="0">
-                <a:solidFill>
-                  <a:srgbClr val="660033"/>
-                </a:solidFill>
-                <a:effectLst/>
-                <a:latin typeface="Microsoft JhengHei" panose="020B0604030504040204" pitchFamily="34" charset="-120"/>
-                <a:ea typeface="Microsoft JhengHei" panose="020B0604030504040204" pitchFamily="34" charset="-120"/>
-              </a:rPr>
-              <a:t>)</a:t>
-            </a:r>
-            <a:endParaRPr lang="vi-VN" sz="4400" b="1" dirty="0">
-              <a:solidFill>
-                <a:srgbClr val="660033"/>
-              </a:solidFill>
-              <a:effectLst/>
-              <a:ea typeface="Microsoft JhengHei" panose="020B0604030504040204" pitchFamily="34" charset="-120"/>
-            </a:endParaRPr>
-          </a:p>
-        </p:txBody>
-      </p:sp>
-    </p:spTree>
-    <p:extLst>
-      <p:ext uri="{BB962C8B-B14F-4D97-AF65-F5344CB8AC3E}">
-        <p14:creationId xmlns:p14="http://schemas.microsoft.com/office/powerpoint/2010/main" val="2393986632"/>
-      </p:ext>
-    </p:extLst>
-  </p:cSld>
-  <p:clrMapOvr>
-    <a:masterClrMapping/>
-  </p:clrMapOvr>
-</p:sld>
-</file>
-
-<file path=ppt/slides/slide6.xml><?xml version="1.0" encoding="utf-8"?>
-<p:sld xmlns:a="http://schemas.openxmlformats.org/drawingml/2006/main" xmlns:r="http://schemas.openxmlformats.org/officeDocument/2006/relationships" xmlns:p="http://schemas.openxmlformats.org/presentationml/2006/main">
-  <p:cSld>
-    <p:spTree>
-      <p:nvGrpSpPr>
-        <p:cNvPr id="1" name=""/>
-        <p:cNvGrpSpPr/>
-        <p:nvPr/>
-      </p:nvGrpSpPr>
-      <p:grpSpPr>
-        <a:xfrm>
-          <a:off x="0" y="0"/>
-          <a:ext cx="0" cy="0"/>
-          <a:chOff x="0" y="0"/>
-          <a:chExt cx="0" cy="0"/>
-        </a:xfrm>
-      </p:grpSpPr>
-      <p:sp>
-        <p:nvSpPr>
-          <p:cNvPr id="5" name="內容版面配置區 4"/>
-          <p:cNvSpPr>
-            <a:spLocks noGrp="1"/>
-          </p:cNvSpPr>
-          <p:nvPr>
-            <p:ph idx="1"/>
-          </p:nvPr>
-        </p:nvSpPr>
-        <p:spPr>
-          <a:xfrm>
-            <a:off x="0" y="2084851"/>
-            <a:ext cx="12192000" cy="2404863"/>
-          </a:xfrm>
-        </p:spPr>
-        <p:txBody>
-          <a:bodyPr anchor="ctr">
-            <a:normAutofit/>
-          </a:bodyPr>
-          <a:lstStyle/>
-          <a:p>
-            <a:pPr algn="ctr">
-              <a:buNone/>
-            </a:pPr>
-            <a:r>
-              <a:rPr lang="zh-TW" altLang="en-US" sz="6400" b="1" dirty="0">
-                <a:solidFill>
-                  <a:srgbClr val="660033"/>
-                </a:solidFill>
-                <a:latin typeface="微軟正黑體" pitchFamily="34" charset="-120"/>
-                <a:ea typeface="微軟正黑體" pitchFamily="34" charset="-120"/>
-              </a:rPr>
-              <a:t>祢</a:t>
-            </a:r>
-            <a:r>
-              <a:rPr lang="zh-TW" altLang="en-US" sz="6400" b="1" dirty="0">
-                <a:solidFill>
-                  <a:srgbClr val="660033"/>
-                </a:solidFill>
-                <a:latin typeface="微軟正黑體" pitchFamily="34" charset="-120"/>
-                <a:ea typeface="微軟正黑體" pitchFamily="34" charset="-120"/>
-              </a:rPr>
-              <a:t>是我盼</a:t>
-            </a:r>
-            <a:r>
-              <a:rPr lang="zh-TW" altLang="en-US" sz="6400" b="1" dirty="0">
-                <a:solidFill>
-                  <a:srgbClr val="660033"/>
-                </a:solidFill>
-                <a:latin typeface="微軟正黑體" pitchFamily="34" charset="-120"/>
-                <a:ea typeface="微軟正黑體" pitchFamily="34" charset="-120"/>
-              </a:rPr>
-              <a:t>望</a:t>
-            </a:r>
-            <a:endParaRPr lang="en-US" altLang="zh-TW" sz="6400" b="1" dirty="0">
-              <a:solidFill>
-                <a:srgbClr val="660033"/>
-              </a:solidFill>
-              <a:latin typeface="微軟正黑體" pitchFamily="34" charset="-120"/>
-              <a:ea typeface="微軟正黑體" pitchFamily="34" charset="-120"/>
-            </a:endParaRPr>
-          </a:p>
-          <a:p>
-            <a:pPr algn="ctr">
-              <a:buNone/>
-            </a:pPr>
-            <a:r>
-              <a:rPr lang="zh-TW" altLang="en-US" sz="6400" b="1" dirty="0">
-                <a:solidFill>
-                  <a:srgbClr val="660033"/>
-                </a:solidFill>
-                <a:latin typeface="微軟正黑體" pitchFamily="34" charset="-120"/>
-                <a:ea typeface="微軟正黑體" pitchFamily="34" charset="-120"/>
-              </a:rPr>
-              <a:t>我</a:t>
-            </a:r>
-            <a:r>
-              <a:rPr lang="zh-TW" altLang="en-US" sz="6400" b="1" dirty="0">
-                <a:solidFill>
-                  <a:srgbClr val="660033"/>
-                </a:solidFill>
-                <a:latin typeface="微軟正黑體" pitchFamily="34" charset="-120"/>
-                <a:ea typeface="微軟正黑體" pitchFamily="34" charset="-120"/>
-              </a:rPr>
-              <a:t>唯一的最愛</a:t>
-            </a:r>
-            <a:endParaRPr lang="en-US" altLang="zh-TW" sz="6400" b="1" dirty="0">
-              <a:solidFill>
-                <a:srgbClr val="660033"/>
-              </a:solidFill>
-              <a:latin typeface="微軟正黑體" pitchFamily="34" charset="-120"/>
-              <a:ea typeface="微軟正黑體" pitchFamily="34" charset="-120"/>
-            </a:endParaRPr>
-          </a:p>
-        </p:txBody>
-      </p:sp>
-      <p:sp>
-        <p:nvSpPr>
-          <p:cNvPr id="3" name="TextBox 2"/>
-          <p:cNvSpPr txBox="1"/>
-          <p:nvPr/>
-        </p:nvSpPr>
-        <p:spPr>
-          <a:xfrm>
-            <a:off x="178" y="5373218"/>
-            <a:ext cx="12191823" cy="769441"/>
-          </a:xfrm>
-          <a:prstGeom prst="rect">
-            <a:avLst/>
-          </a:prstGeom>
-          <a:noFill/>
-        </p:spPr>
-        <p:txBody>
-          <a:bodyPr wrap="square" rtlCol="0" anchor="ctr">
-            <a:spAutoFit/>
-          </a:bodyPr>
-          <a:lstStyle/>
-          <a:p>
-            <a:pPr algn="ctr"/>
-            <a:r>
-              <a:rPr lang="en-US" sz="4400" b="1" dirty="0">
-                <a:solidFill>
-                  <a:srgbClr val="660033"/>
-                </a:solidFill>
-                <a:effectLst/>
-                <a:latin typeface="Microsoft JhengHei" panose="020B0604030504040204" pitchFamily="34" charset="-120"/>
-                <a:ea typeface="Microsoft JhengHei" panose="020B0604030504040204" pitchFamily="34" charset="-120"/>
-              </a:rPr>
-              <a:t>( </a:t>
-            </a:r>
-            <a:r>
-              <a:rPr lang="zh-CN" altLang="en-US" sz="4400" b="1" dirty="0">
-                <a:solidFill>
-                  <a:srgbClr val="660033"/>
-                </a:solidFill>
-                <a:effectLst/>
-                <a:latin typeface="Microsoft JhengHei" panose="020B0604030504040204" pitchFamily="34" charset="-120"/>
-                <a:ea typeface="Microsoft JhengHei" panose="020B0604030504040204" pitchFamily="34" charset="-120"/>
-              </a:rPr>
-              <a:t>副</a:t>
-            </a:r>
-            <a:r>
-              <a:rPr lang="en-US" sz="4400" b="1" dirty="0">
-                <a:solidFill>
-                  <a:srgbClr val="660033"/>
-                </a:solidFill>
-                <a:effectLst/>
-                <a:latin typeface="Microsoft JhengHei" panose="020B0604030504040204" pitchFamily="34" charset="-120"/>
-                <a:ea typeface="Microsoft JhengHei" panose="020B0604030504040204" pitchFamily="34" charset="-120"/>
-              </a:rPr>
-              <a:t> </a:t>
-            </a:r>
-            <a:r>
-              <a:rPr lang="en-US" sz="4400" b="1" dirty="0">
-                <a:solidFill>
-                  <a:srgbClr val="660033"/>
-                </a:solidFill>
-                <a:effectLst/>
-                <a:latin typeface="Microsoft JhengHei" panose="020B0604030504040204" pitchFamily="34" charset="-120"/>
-                <a:ea typeface="Microsoft JhengHei" panose="020B0604030504040204" pitchFamily="34" charset="-120"/>
-              </a:rPr>
-              <a:t>)</a:t>
+              <a:t> )</a:t>
             </a:r>
             <a:endParaRPr lang="vi-VN" sz="4400" b="1" dirty="0">
               <a:solidFill>
